--- a/Slide/Dependency Injection.pptx
+++ b/Slide/Dependency Injection.pptx
@@ -12641,15 +12641,7 @@
             </a:pPr>
             <a:r>
               <a:rPr lang="en-US" dirty="0"/>
-              <a:t>What is </a:t>
-            </a:r>
-            <a:r>
-              <a:rPr lang="en-US" dirty="0" err="1"/>
-              <a:t>denpendency</a:t>
-            </a:r>
-            <a:r>
-              <a:rPr lang="en-US" dirty="0"/>
-              <a:t>?</a:t>
+              <a:t>What is dependency?</a:t>
             </a:r>
             <a:endParaRPr dirty="0"/>
           </a:p>
@@ -13236,8 +13228,8 @@
               <a:buNone/>
             </a:pPr>
             <a:r>
-              <a:rPr lang="en-US" dirty="0" err="1"/>
-              <a:t>Sollution</a:t>
+              <a:rPr lang="en-US" dirty="0"/>
+              <a:t>Solution</a:t>
             </a:r>
             <a:endParaRPr dirty="0"/>
           </a:p>
@@ -13333,8 +13325,8 @@
               <a:buNone/>
             </a:pPr>
             <a:r>
-              <a:rPr lang="en-US" dirty="0" err="1"/>
-              <a:t>Sollution</a:t>
+              <a:rPr lang="en-US" dirty="0"/>
+              <a:t>Solution</a:t>
             </a:r>
             <a:endParaRPr dirty="0"/>
           </a:p>
